--- a/2024-FALL/Week13.pptx
+++ b/2024-FALL/Week13.pptx
@@ -3413,7 +3413,7 @@
                   </a:schemeClr>
                 </a:solidFill>
               </a:rPr>
-              <a:t>to 11-21</a:t>
+              <a:t>to 11-20</a:t>
             </a:r>
             <a:endParaRPr lang="en-US" dirty="0">
               <a:solidFill>
